--- a/32. Iterables.pptx
+++ b/32. Iterables.pptx
@@ -109,6 +109,11 @@
       </a:defRPr>
     </a:lvl9pPr>
   </p:defaultTextStyle>
+  <p:extLst>
+    <p:ext uri="{EFAFB233-063F-42B5-8137-9DF3F51BA10A}">
+      <p15:sldGuideLst xmlns:p15="http://schemas.microsoft.com/office/powerpoint/2012/main"/>
+    </p:ext>
+  </p:extLst>
 </p:presentation>
 </file>
 
@@ -3792,8 +3797,8 @@
         </p:nvSpPr>
         <p:spPr>
           <a:xfrm>
-            <a:off x="4114485" y="569844"/>
-            <a:ext cx="1510350" cy="369332"/>
+            <a:off x="3968711" y="543340"/>
+            <a:ext cx="2008883" cy="369332"/>
           </a:xfrm>
           <a:prstGeom prst="rect">
             <a:avLst/>
@@ -3816,7 +3821,7 @@
                 <a:latin typeface="Source Sans Pro" panose="020B0503030403020204" pitchFamily="34" charset="0"/>
                 <a:ea typeface="Source Sans Pro" panose="020B0503030403020204" pitchFamily="34" charset="0"/>
               </a:rPr>
-              <a:t>Complex type</a:t>
+              <a:t>Complex type = list</a:t>
             </a:r>
           </a:p>
         </p:txBody>
